--- a/Документация/Презентация/Презентация.PPTX
+++ b/Документация/Презентация/Презентация.PPTX
@@ -131,7 +131,7 @@
   </p:defaultTextStyle>
   <p:extLst>
     <p:ext uri="{EFAFB233-063F-42B5-8137-9DF3F51BA10A}">
-      <p15:sldGuideLst xmlns:p15="http://schemas.microsoft.com/office/powerpoint/2012/main">
+      <p15:sldGuideLst xmlns:p15="http://schemas.microsoft.com/office/powerpoint/2012/main" xmlns="">
         <p15:guide id="1" orient="horz" pos="2160">
           <p15:clr>
             <a:srgbClr val="A4A3A4"/>
@@ -231,7 +231,7 @@
             <a:fld id="{6A26A9E4-1529-4367-B8BE-34B6E2449903}" type="datetimeFigureOut">
               <a:rPr lang="ru-RU" smtClean="0"/>
               <a:pPr/>
-              <a:t>25.07.2022</a:t>
+              <a:t>11.05.2022</a:t>
             </a:fld>
             <a:endParaRPr lang="ru-RU"/>
           </a:p>
@@ -399,7 +399,7 @@
     </p:spTree>
     <p:extLst>
       <p:ext uri="{BB962C8B-B14F-4D97-AF65-F5344CB8AC3E}">
-        <p14:creationId xmlns:p14="http://schemas.microsoft.com/office/powerpoint/2010/main" val="1293212877"/>
+        <p14:creationId xmlns:p14="http://schemas.microsoft.com/office/powerpoint/2010/main" xmlns="" val="1293212877"/>
       </p:ext>
     </p:extLst>
   </p:cSld>
@@ -574,7 +574,7 @@
     </p:spTree>
     <p:extLst>
       <p:ext uri="{BB962C8B-B14F-4D97-AF65-F5344CB8AC3E}">
-        <p14:creationId xmlns:p14="http://schemas.microsoft.com/office/powerpoint/2010/main" val="3289621435"/>
+        <p14:creationId xmlns:p14="http://schemas.microsoft.com/office/powerpoint/2010/main" xmlns="" val="3289621435"/>
       </p:ext>
     </p:extLst>
   </p:cSld>
@@ -966,7 +966,7 @@
             <a:fld id="{0865F621-9F77-409B-87C2-BEAA1C35D7BC}" type="datetimeFigureOut">
               <a:rPr lang="ru-RU" smtClean="0"/>
               <a:pPr/>
-              <a:t>25.07.2022</a:t>
+              <a:t>11.05.2022</a:t>
             </a:fld>
             <a:endParaRPr lang="ru-RU"/>
           </a:p>
@@ -1018,7 +1018,7 @@
     </p:spTree>
     <p:extLst>
       <p:ext uri="{BB962C8B-B14F-4D97-AF65-F5344CB8AC3E}">
-        <p14:creationId xmlns:p14="http://schemas.microsoft.com/office/powerpoint/2010/main" val="2449770288"/>
+        <p14:creationId xmlns:p14="http://schemas.microsoft.com/office/powerpoint/2010/main" xmlns="" val="2449770288"/>
       </p:ext>
     </p:extLst>
   </p:cSld>
@@ -1234,7 +1234,7 @@
             <a:fld id="{0865F621-9F77-409B-87C2-BEAA1C35D7BC}" type="datetimeFigureOut">
               <a:rPr lang="ru-RU" smtClean="0"/>
               <a:pPr/>
-              <a:t>25.07.2022</a:t>
+              <a:t>11.05.2022</a:t>
             </a:fld>
             <a:endParaRPr lang="ru-RU"/>
           </a:p>
@@ -1286,7 +1286,7 @@
     </p:spTree>
     <p:extLst>
       <p:ext uri="{BB962C8B-B14F-4D97-AF65-F5344CB8AC3E}">
-        <p14:creationId xmlns:p14="http://schemas.microsoft.com/office/powerpoint/2010/main" val="1739194551"/>
+        <p14:creationId xmlns:p14="http://schemas.microsoft.com/office/powerpoint/2010/main" xmlns="" val="1739194551"/>
       </p:ext>
     </p:extLst>
   </p:cSld>
@@ -1486,7 +1486,7 @@
             <a:fld id="{0865F621-9F77-409B-87C2-BEAA1C35D7BC}" type="datetimeFigureOut">
               <a:rPr lang="ru-RU" smtClean="0"/>
               <a:pPr/>
-              <a:t>25.07.2022</a:t>
+              <a:t>11.05.2022</a:t>
             </a:fld>
             <a:endParaRPr lang="ru-RU"/>
           </a:p>
@@ -1538,7 +1538,7 @@
     </p:spTree>
     <p:extLst>
       <p:ext uri="{BB962C8B-B14F-4D97-AF65-F5344CB8AC3E}">
-        <p14:creationId xmlns:p14="http://schemas.microsoft.com/office/powerpoint/2010/main" val="3898714206"/>
+        <p14:creationId xmlns:p14="http://schemas.microsoft.com/office/powerpoint/2010/main" xmlns="" val="3898714206"/>
       </p:ext>
     </p:extLst>
   </p:cSld>
@@ -1796,7 +1796,7 @@
             <a:fld id="{0865F621-9F77-409B-87C2-BEAA1C35D7BC}" type="datetimeFigureOut">
               <a:rPr lang="ru-RU" smtClean="0"/>
               <a:pPr/>
-              <a:t>25.07.2022</a:t>
+              <a:t>11.05.2022</a:t>
             </a:fld>
             <a:endParaRPr lang="ru-RU"/>
           </a:p>
@@ -1916,7 +1916,7 @@
     </p:spTree>
     <p:extLst>
       <p:ext uri="{BB962C8B-B14F-4D97-AF65-F5344CB8AC3E}">
-        <p14:creationId xmlns:p14="http://schemas.microsoft.com/office/powerpoint/2010/main" val="2455033264"/>
+        <p14:creationId xmlns:p14="http://schemas.microsoft.com/office/powerpoint/2010/main" xmlns="" val="2455033264"/>
       </p:ext>
     </p:extLst>
   </p:cSld>
@@ -2116,7 +2116,7 @@
             <a:fld id="{0865F621-9F77-409B-87C2-BEAA1C35D7BC}" type="datetimeFigureOut">
               <a:rPr lang="ru-RU" smtClean="0"/>
               <a:pPr/>
-              <a:t>25.07.2022</a:t>
+              <a:t>11.05.2022</a:t>
             </a:fld>
             <a:endParaRPr lang="ru-RU"/>
           </a:p>
@@ -2168,7 +2168,7 @@
     </p:spTree>
     <p:extLst>
       <p:ext uri="{BB962C8B-B14F-4D97-AF65-F5344CB8AC3E}">
-        <p14:creationId xmlns:p14="http://schemas.microsoft.com/office/powerpoint/2010/main" val="1332975896"/>
+        <p14:creationId xmlns:p14="http://schemas.microsoft.com/office/powerpoint/2010/main" xmlns="" val="1332975896"/>
       </p:ext>
     </p:extLst>
   </p:cSld>
@@ -2420,7 +2420,7 @@
             <a:fld id="{0865F621-9F77-409B-87C2-BEAA1C35D7BC}" type="datetimeFigureOut">
               <a:rPr lang="ru-RU" smtClean="0"/>
               <a:pPr/>
-              <a:t>25.07.2022</a:t>
+              <a:t>11.05.2022</a:t>
             </a:fld>
             <a:endParaRPr lang="ru-RU"/>
           </a:p>
@@ -2540,7 +2540,7 @@
     </p:spTree>
     <p:extLst>
       <p:ext uri="{BB962C8B-B14F-4D97-AF65-F5344CB8AC3E}">
-        <p14:creationId xmlns:p14="http://schemas.microsoft.com/office/powerpoint/2010/main" val="2415635225"/>
+        <p14:creationId xmlns:p14="http://schemas.microsoft.com/office/powerpoint/2010/main" xmlns="" val="2415635225"/>
       </p:ext>
     </p:extLst>
   </p:cSld>
@@ -2789,7 +2789,7 @@
             <a:fld id="{0865F621-9F77-409B-87C2-BEAA1C35D7BC}" type="datetimeFigureOut">
               <a:rPr lang="ru-RU" smtClean="0"/>
               <a:pPr/>
-              <a:t>25.07.2022</a:t>
+              <a:t>11.05.2022</a:t>
             </a:fld>
             <a:endParaRPr lang="ru-RU"/>
           </a:p>
@@ -2841,7 +2841,7 @@
     </p:spTree>
     <p:extLst>
       <p:ext uri="{BB962C8B-B14F-4D97-AF65-F5344CB8AC3E}">
-        <p14:creationId xmlns:p14="http://schemas.microsoft.com/office/powerpoint/2010/main" val="3280274657"/>
+        <p14:creationId xmlns:p14="http://schemas.microsoft.com/office/powerpoint/2010/main" xmlns="" val="3280274657"/>
       </p:ext>
     </p:extLst>
   </p:cSld>
@@ -2977,7 +2977,7 @@
             <a:fld id="{0865F621-9F77-409B-87C2-BEAA1C35D7BC}" type="datetimeFigureOut">
               <a:rPr lang="ru-RU" smtClean="0"/>
               <a:pPr/>
-              <a:t>25.07.2022</a:t>
+              <a:t>11.05.2022</a:t>
             </a:fld>
             <a:endParaRPr lang="ru-RU"/>
           </a:p>
@@ -3029,7 +3029,7 @@
     </p:spTree>
     <p:extLst>
       <p:ext uri="{BB962C8B-B14F-4D97-AF65-F5344CB8AC3E}">
-        <p14:creationId xmlns:p14="http://schemas.microsoft.com/office/powerpoint/2010/main" val="2208905536"/>
+        <p14:creationId xmlns:p14="http://schemas.microsoft.com/office/powerpoint/2010/main" xmlns="" val="2208905536"/>
       </p:ext>
     </p:extLst>
   </p:cSld>
@@ -3165,7 +3165,7 @@
             <a:fld id="{0865F621-9F77-409B-87C2-BEAA1C35D7BC}" type="datetimeFigureOut">
               <a:rPr lang="ru-RU" smtClean="0"/>
               <a:pPr/>
-              <a:t>25.07.2022</a:t>
+              <a:t>11.05.2022</a:t>
             </a:fld>
             <a:endParaRPr lang="ru-RU"/>
           </a:p>
@@ -3217,7 +3217,7 @@
     </p:spTree>
     <p:extLst>
       <p:ext uri="{BB962C8B-B14F-4D97-AF65-F5344CB8AC3E}">
-        <p14:creationId xmlns:p14="http://schemas.microsoft.com/office/powerpoint/2010/main" val="3813849957"/>
+        <p14:creationId xmlns:p14="http://schemas.microsoft.com/office/powerpoint/2010/main" xmlns="" val="3813849957"/>
       </p:ext>
     </p:extLst>
   </p:cSld>
@@ -3347,7 +3347,7 @@
             <a:fld id="{0865F621-9F77-409B-87C2-BEAA1C35D7BC}" type="datetimeFigureOut">
               <a:rPr lang="ru-RU" smtClean="0"/>
               <a:pPr/>
-              <a:t>25.07.2022</a:t>
+              <a:t>11.05.2022</a:t>
             </a:fld>
             <a:endParaRPr lang="ru-RU"/>
           </a:p>
@@ -3399,7 +3399,7 @@
     </p:spTree>
     <p:extLst>
       <p:ext uri="{BB962C8B-B14F-4D97-AF65-F5344CB8AC3E}">
-        <p14:creationId xmlns:p14="http://schemas.microsoft.com/office/powerpoint/2010/main" val="3716716097"/>
+        <p14:creationId xmlns:p14="http://schemas.microsoft.com/office/powerpoint/2010/main" xmlns="" val="3716716097"/>
       </p:ext>
     </p:extLst>
   </p:cSld>
@@ -3599,7 +3599,7 @@
             <a:fld id="{0865F621-9F77-409B-87C2-BEAA1C35D7BC}" type="datetimeFigureOut">
               <a:rPr lang="ru-RU" smtClean="0"/>
               <a:pPr/>
-              <a:t>25.07.2022</a:t>
+              <a:t>11.05.2022</a:t>
             </a:fld>
             <a:endParaRPr lang="ru-RU"/>
           </a:p>
@@ -3651,7 +3651,7 @@
     </p:spTree>
     <p:extLst>
       <p:ext uri="{BB962C8B-B14F-4D97-AF65-F5344CB8AC3E}">
-        <p14:creationId xmlns:p14="http://schemas.microsoft.com/office/powerpoint/2010/main" val="2110623804"/>
+        <p14:creationId xmlns:p14="http://schemas.microsoft.com/office/powerpoint/2010/main" xmlns="" val="2110623804"/>
       </p:ext>
     </p:extLst>
   </p:cSld>
@@ -3848,7 +3848,7 @@
             <a:fld id="{0865F621-9F77-409B-87C2-BEAA1C35D7BC}" type="datetimeFigureOut">
               <a:rPr lang="ru-RU" smtClean="0"/>
               <a:pPr/>
-              <a:t>25.07.2022</a:t>
+              <a:t>11.05.2022</a:t>
             </a:fld>
             <a:endParaRPr lang="ru-RU"/>
           </a:p>
@@ -3900,7 +3900,7 @@
     </p:spTree>
     <p:extLst>
       <p:ext uri="{BB962C8B-B14F-4D97-AF65-F5344CB8AC3E}">
-        <p14:creationId xmlns:p14="http://schemas.microsoft.com/office/powerpoint/2010/main" val="4124928773"/>
+        <p14:creationId xmlns:p14="http://schemas.microsoft.com/office/powerpoint/2010/main" xmlns="" val="4124928773"/>
       </p:ext>
     </p:extLst>
   </p:cSld>
@@ -4239,7 +4239,7 @@
             <a:fld id="{0865F621-9F77-409B-87C2-BEAA1C35D7BC}" type="datetimeFigureOut">
               <a:rPr lang="ru-RU" smtClean="0"/>
               <a:pPr/>
-              <a:t>25.07.2022</a:t>
+              <a:t>11.05.2022</a:t>
             </a:fld>
             <a:endParaRPr lang="ru-RU"/>
           </a:p>
@@ -4291,7 +4291,7 @@
     </p:spTree>
     <p:extLst>
       <p:ext uri="{BB962C8B-B14F-4D97-AF65-F5344CB8AC3E}">
-        <p14:creationId xmlns:p14="http://schemas.microsoft.com/office/powerpoint/2010/main" val="17500613"/>
+        <p14:creationId xmlns:p14="http://schemas.microsoft.com/office/powerpoint/2010/main" xmlns="" val="17500613"/>
       </p:ext>
     </p:extLst>
   </p:cSld>
@@ -4370,7 +4370,7 @@
             <a:fld id="{0865F621-9F77-409B-87C2-BEAA1C35D7BC}" type="datetimeFigureOut">
               <a:rPr lang="ru-RU" smtClean="0"/>
               <a:pPr/>
-              <a:t>25.07.2022</a:t>
+              <a:t>11.05.2022</a:t>
             </a:fld>
             <a:endParaRPr lang="ru-RU"/>
           </a:p>
@@ -4422,7 +4422,7 @@
     </p:spTree>
     <p:extLst>
       <p:ext uri="{BB962C8B-B14F-4D97-AF65-F5344CB8AC3E}">
-        <p14:creationId xmlns:p14="http://schemas.microsoft.com/office/powerpoint/2010/main" val="338986370"/>
+        <p14:creationId xmlns:p14="http://schemas.microsoft.com/office/powerpoint/2010/main" xmlns="" val="338986370"/>
       </p:ext>
     </p:extLst>
   </p:cSld>
@@ -4467,7 +4467,7 @@
             <a:fld id="{0865F621-9F77-409B-87C2-BEAA1C35D7BC}" type="datetimeFigureOut">
               <a:rPr lang="ru-RU" smtClean="0"/>
               <a:pPr/>
-              <a:t>25.07.2022</a:t>
+              <a:t>11.05.2022</a:t>
             </a:fld>
             <a:endParaRPr lang="ru-RU"/>
           </a:p>
@@ -4519,7 +4519,7 @@
     </p:spTree>
     <p:extLst>
       <p:ext uri="{BB962C8B-B14F-4D97-AF65-F5344CB8AC3E}">
-        <p14:creationId xmlns:p14="http://schemas.microsoft.com/office/powerpoint/2010/main" val="3147022601"/>
+        <p14:creationId xmlns:p14="http://schemas.microsoft.com/office/powerpoint/2010/main" xmlns="" val="3147022601"/>
       </p:ext>
     </p:extLst>
   </p:cSld>
@@ -4724,7 +4724,7 @@
             <a:fld id="{0865F621-9F77-409B-87C2-BEAA1C35D7BC}" type="datetimeFigureOut">
               <a:rPr lang="ru-RU" smtClean="0"/>
               <a:pPr/>
-              <a:t>25.07.2022</a:t>
+              <a:t>11.05.2022</a:t>
             </a:fld>
             <a:endParaRPr lang="ru-RU"/>
           </a:p>
@@ -4776,7 +4776,7 @@
     </p:spTree>
     <p:extLst>
       <p:ext uri="{BB962C8B-B14F-4D97-AF65-F5344CB8AC3E}">
-        <p14:creationId xmlns:p14="http://schemas.microsoft.com/office/powerpoint/2010/main" val="3848343299"/>
+        <p14:creationId xmlns:p14="http://schemas.microsoft.com/office/powerpoint/2010/main" xmlns="" val="3848343299"/>
       </p:ext>
     </p:extLst>
   </p:cSld>
@@ -5009,7 +5009,7 @@
             <a:fld id="{0865F621-9F77-409B-87C2-BEAA1C35D7BC}" type="datetimeFigureOut">
               <a:rPr lang="ru-RU" smtClean="0"/>
               <a:pPr/>
-              <a:t>25.07.2022</a:t>
+              <a:t>11.05.2022</a:t>
             </a:fld>
             <a:endParaRPr lang="ru-RU"/>
           </a:p>
@@ -5066,7 +5066,7 @@
     </p:spTree>
     <p:extLst>
       <p:ext uri="{BB962C8B-B14F-4D97-AF65-F5344CB8AC3E}">
-        <p14:creationId xmlns:p14="http://schemas.microsoft.com/office/powerpoint/2010/main" val="2670698123"/>
+        <p14:creationId xmlns:p14="http://schemas.microsoft.com/office/powerpoint/2010/main" xmlns="" val="2670698123"/>
       </p:ext>
     </p:extLst>
   </p:cSld>
@@ -5453,7 +5453,7 @@
             <a:fld id="{0865F621-9F77-409B-87C2-BEAA1C35D7BC}" type="datetimeFigureOut">
               <a:rPr lang="ru-RU" smtClean="0"/>
               <a:pPr/>
-              <a:t>25.07.2022</a:t>
+              <a:t>11.05.2022</a:t>
             </a:fld>
             <a:endParaRPr lang="ru-RU"/>
           </a:p>
@@ -5545,7 +5545,7 @@
     </p:spTree>
     <p:extLst>
       <p:ext uri="{BB962C8B-B14F-4D97-AF65-F5344CB8AC3E}">
-        <p14:creationId xmlns:p14="http://schemas.microsoft.com/office/powerpoint/2010/main" val="1899204895"/>
+        <p14:creationId xmlns:p14="http://schemas.microsoft.com/office/powerpoint/2010/main" xmlns="" val="1899204895"/>
       </p:ext>
     </p:extLst>
   </p:cSld>
@@ -6000,7 +6000,7 @@
         <p:spPr bwMode="auto">
           <a:xfrm>
             <a:off x="6390084" y="4995522"/>
-            <a:ext cx="2753916" cy="400110"/>
+            <a:ext cx="2753916" cy="1015663"/>
           </a:xfrm>
           <a:prstGeom prst="rect">
             <a:avLst/>
@@ -6028,6 +6028,26 @@
               <a:t>Разработал студент </a:t>
             </a:r>
           </a:p>
+          <a:p>
+            <a:pPr algn="r"/>
+            <a:r>
+              <a:rPr lang="ru-RU" sz="2000" dirty="0">
+                <a:latin typeface="Times New Roman" pitchFamily="18" charset="0"/>
+                <a:cs typeface="Times New Roman" pitchFamily="18" charset="0"/>
+              </a:rPr>
+              <a:t>группы ПС-19Б</a:t>
+            </a:r>
+          </a:p>
+          <a:p>
+            <a:pPr algn="r"/>
+            <a:r>
+              <a:rPr lang="ru-RU" sz="2000" dirty="0">
+                <a:latin typeface="Times New Roman" pitchFamily="18" charset="0"/>
+                <a:cs typeface="Times New Roman" pitchFamily="18" charset="0"/>
+              </a:rPr>
+              <a:t>Дикарев Роман</a:t>
+            </a:r>
+          </a:p>
         </p:txBody>
       </p:sp>
       <p:sp>
@@ -6195,7 +6215,7 @@
     </p:spTree>
     <p:extLst>
       <p:ext uri="{BB962C8B-B14F-4D97-AF65-F5344CB8AC3E}">
-        <p14:creationId xmlns:p14="http://schemas.microsoft.com/office/powerpoint/2010/main" val="2042443039"/>
+        <p14:creationId xmlns:p14="http://schemas.microsoft.com/office/powerpoint/2010/main" xmlns="" val="2042443039"/>
       </p:ext>
     </p:extLst>
   </p:cSld>
@@ -6278,14 +6298,14 @@
           <a:effectLst/>
           <a:extLst>
             <a:ext uri="{909E8E84-426E-40DD-AFC4-6F175D3DCCD1}">
-              <a14:hiddenFill xmlns:a14="http://schemas.microsoft.com/office/drawing/2010/main">
+              <a14:hiddenFill xmlns:a14="http://schemas.microsoft.com/office/drawing/2010/main" xmlns="">
                 <a:solidFill>
                   <a:schemeClr val="accent1"/>
                 </a:solidFill>
               </a14:hiddenFill>
             </a:ext>
             <a:ext uri="{91240B29-F687-4F45-9708-019B960494DF}">
-              <a14:hiddenLine xmlns:a14="http://schemas.microsoft.com/office/drawing/2010/main" w="9525">
+              <a14:hiddenLine xmlns:a14="http://schemas.microsoft.com/office/drawing/2010/main" xmlns="" w="9525">
                 <a:solidFill>
                   <a:schemeClr val="tx1"/>
                 </a:solidFill>
@@ -6295,7 +6315,7 @@
               </a14:hiddenLine>
             </a:ext>
             <a:ext uri="{AF507438-7753-43E0-B8FC-AC1667EBCBE1}">
-              <a14:hiddenEffects xmlns:a14="http://schemas.microsoft.com/office/drawing/2010/main">
+              <a14:hiddenEffects xmlns:a14="http://schemas.microsoft.com/office/drawing/2010/main" xmlns="">
                 <a:effectLst>
                   <a:outerShdw dist="35921" dir="2700000" algn="ctr" rotWithShape="0">
                     <a:schemeClr val="bg2"/>
@@ -6341,14 +6361,14 @@
           <a:effectLst/>
           <a:extLst>
             <a:ext uri="{909E8E84-426E-40DD-AFC4-6F175D3DCCD1}">
-              <a14:hiddenFill xmlns:a14="http://schemas.microsoft.com/office/drawing/2010/main">
+              <a14:hiddenFill xmlns:a14="http://schemas.microsoft.com/office/drawing/2010/main" xmlns="">
                 <a:solidFill>
                   <a:schemeClr val="accent1"/>
                 </a:solidFill>
               </a14:hiddenFill>
             </a:ext>
             <a:ext uri="{91240B29-F687-4F45-9708-019B960494DF}">
-              <a14:hiddenLine xmlns:a14="http://schemas.microsoft.com/office/drawing/2010/main" w="9525">
+              <a14:hiddenLine xmlns:a14="http://schemas.microsoft.com/office/drawing/2010/main" xmlns="" w="9525">
                 <a:solidFill>
                   <a:schemeClr val="tx1"/>
                 </a:solidFill>
@@ -6358,7 +6378,7 @@
               </a14:hiddenLine>
             </a:ext>
             <a:ext uri="{AF507438-7753-43E0-B8FC-AC1667EBCBE1}">
-              <a14:hiddenEffects xmlns:a14="http://schemas.microsoft.com/office/drawing/2010/main">
+              <a14:hiddenEffects xmlns:a14="http://schemas.microsoft.com/office/drawing/2010/main" xmlns="">
                 <a:effectLst>
                   <a:outerShdw dist="35921" dir="2700000" algn="ctr" rotWithShape="0">
                     <a:schemeClr val="bg2"/>
@@ -6386,7 +6406,7 @@
           <p:cNvPr id="7" name="Рисунок 6">
             <a:extLst>
               <a:ext uri="{FF2B5EF4-FFF2-40B4-BE49-F238E27FC236}">
-                <a16:creationId xmlns:a16="http://schemas.microsoft.com/office/drawing/2014/main" id="{265D2518-1B8C-480C-AE2A-93BF748538ED}"/>
+                <a16:creationId xmlns:a16="http://schemas.microsoft.com/office/drawing/2014/main" xmlns="" id="{265D2518-1B8C-480C-AE2A-93BF748538ED}"/>
               </a:ext>
             </a:extLst>
           </p:cNvPr>
@@ -6414,7 +6434,7 @@
     </p:spTree>
     <p:extLst>
       <p:ext uri="{BB962C8B-B14F-4D97-AF65-F5344CB8AC3E}">
-        <p14:creationId xmlns:p14="http://schemas.microsoft.com/office/powerpoint/2010/main" val="1805201421"/>
+        <p14:creationId xmlns:p14="http://schemas.microsoft.com/office/powerpoint/2010/main" xmlns="" val="1805201421"/>
       </p:ext>
     </p:extLst>
   </p:cSld>
@@ -6504,14 +6524,14 @@
           <a:effectLst/>
           <a:extLst>
             <a:ext uri="{909E8E84-426E-40DD-AFC4-6F175D3DCCD1}">
-              <a14:hiddenFill xmlns:a14="http://schemas.microsoft.com/office/drawing/2010/main">
+              <a14:hiddenFill xmlns:a14="http://schemas.microsoft.com/office/drawing/2010/main" xmlns="">
                 <a:solidFill>
                   <a:schemeClr val="accent1"/>
                 </a:solidFill>
               </a14:hiddenFill>
             </a:ext>
             <a:ext uri="{91240B29-F687-4F45-9708-019B960494DF}">
-              <a14:hiddenLine xmlns:a14="http://schemas.microsoft.com/office/drawing/2010/main" w="9525">
+              <a14:hiddenLine xmlns:a14="http://schemas.microsoft.com/office/drawing/2010/main" xmlns="" w="9525">
                 <a:solidFill>
                   <a:schemeClr val="tx1"/>
                 </a:solidFill>
@@ -6521,7 +6541,7 @@
               </a14:hiddenLine>
             </a:ext>
             <a:ext uri="{AF507438-7753-43E0-B8FC-AC1667EBCBE1}">
-              <a14:hiddenEffects xmlns:a14="http://schemas.microsoft.com/office/drawing/2010/main">
+              <a14:hiddenEffects xmlns:a14="http://schemas.microsoft.com/office/drawing/2010/main" xmlns="">
                 <a:effectLst>
                   <a:outerShdw dist="35921" dir="2700000" algn="ctr" rotWithShape="0">
                     <a:schemeClr val="bg2"/>
@@ -6567,14 +6587,14 @@
           <a:effectLst/>
           <a:extLst>
             <a:ext uri="{909E8E84-426E-40DD-AFC4-6F175D3DCCD1}">
-              <a14:hiddenFill xmlns:a14="http://schemas.microsoft.com/office/drawing/2010/main">
+              <a14:hiddenFill xmlns:a14="http://schemas.microsoft.com/office/drawing/2010/main" xmlns="">
                 <a:solidFill>
                   <a:schemeClr val="accent1"/>
                 </a:solidFill>
               </a14:hiddenFill>
             </a:ext>
             <a:ext uri="{91240B29-F687-4F45-9708-019B960494DF}">
-              <a14:hiddenLine xmlns:a14="http://schemas.microsoft.com/office/drawing/2010/main" w="9525">
+              <a14:hiddenLine xmlns:a14="http://schemas.microsoft.com/office/drawing/2010/main" xmlns="" w="9525">
                 <a:solidFill>
                   <a:schemeClr val="tx1"/>
                 </a:solidFill>
@@ -6584,7 +6604,7 @@
               </a14:hiddenLine>
             </a:ext>
             <a:ext uri="{AF507438-7753-43E0-B8FC-AC1667EBCBE1}">
-              <a14:hiddenEffects xmlns:a14="http://schemas.microsoft.com/office/drawing/2010/main">
+              <a14:hiddenEffects xmlns:a14="http://schemas.microsoft.com/office/drawing/2010/main" xmlns="">
                 <a:effectLst>
                   <a:outerShdw dist="35921" dir="2700000" algn="ctr" rotWithShape="0">
                     <a:schemeClr val="bg2"/>
@@ -6630,14 +6650,14 @@
           <a:effectLst/>
           <a:extLst>
             <a:ext uri="{909E8E84-426E-40DD-AFC4-6F175D3DCCD1}">
-              <a14:hiddenFill xmlns:a14="http://schemas.microsoft.com/office/drawing/2010/main">
+              <a14:hiddenFill xmlns:a14="http://schemas.microsoft.com/office/drawing/2010/main" xmlns="">
                 <a:solidFill>
                   <a:schemeClr val="accent1"/>
                 </a:solidFill>
               </a14:hiddenFill>
             </a:ext>
             <a:ext uri="{91240B29-F687-4F45-9708-019B960494DF}">
-              <a14:hiddenLine xmlns:a14="http://schemas.microsoft.com/office/drawing/2010/main" w="9525">
+              <a14:hiddenLine xmlns:a14="http://schemas.microsoft.com/office/drawing/2010/main" xmlns="" w="9525">
                 <a:solidFill>
                   <a:schemeClr val="tx1"/>
                 </a:solidFill>
@@ -6647,7 +6667,7 @@
               </a14:hiddenLine>
             </a:ext>
             <a:ext uri="{AF507438-7753-43E0-B8FC-AC1667EBCBE1}">
-              <a14:hiddenEffects xmlns:a14="http://schemas.microsoft.com/office/drawing/2010/main">
+              <a14:hiddenEffects xmlns:a14="http://schemas.microsoft.com/office/drawing/2010/main" xmlns="">
                 <a:effectLst>
                   <a:outerShdw dist="35921" dir="2700000" algn="ctr" rotWithShape="0">
                     <a:schemeClr val="bg2"/>
@@ -6675,7 +6695,7 @@
           <p:cNvPr id="7" name="Рисунок 6">
             <a:extLst>
               <a:ext uri="{FF2B5EF4-FFF2-40B4-BE49-F238E27FC236}">
-                <a16:creationId xmlns:a16="http://schemas.microsoft.com/office/drawing/2014/main" id="{95D78C8A-9093-4887-9BD7-B96606BFC8B0}"/>
+                <a16:creationId xmlns:a16="http://schemas.microsoft.com/office/drawing/2014/main" xmlns="" id="{95D78C8A-9093-4887-9BD7-B96606BFC8B0}"/>
               </a:ext>
             </a:extLst>
           </p:cNvPr>
@@ -6703,7 +6723,7 @@
     </p:spTree>
     <p:extLst>
       <p:ext uri="{BB962C8B-B14F-4D97-AF65-F5344CB8AC3E}">
-        <p14:creationId xmlns:p14="http://schemas.microsoft.com/office/powerpoint/2010/main" val="2985669781"/>
+        <p14:creationId xmlns:p14="http://schemas.microsoft.com/office/powerpoint/2010/main" xmlns="" val="2985669781"/>
       </p:ext>
     </p:extLst>
   </p:cSld>
@@ -6825,7 +6845,7 @@
     </p:spTree>
     <p:extLst>
       <p:ext uri="{BB962C8B-B14F-4D97-AF65-F5344CB8AC3E}">
-        <p14:creationId xmlns:p14="http://schemas.microsoft.com/office/powerpoint/2010/main" val="1268536216"/>
+        <p14:creationId xmlns:p14="http://schemas.microsoft.com/office/powerpoint/2010/main" xmlns="" val="1268536216"/>
       </p:ext>
     </p:extLst>
   </p:cSld>
@@ -6923,7 +6943,7 @@
     </p:spTree>
     <p:extLst>
       <p:ext uri="{BB962C8B-B14F-4D97-AF65-F5344CB8AC3E}">
-        <p14:creationId xmlns:p14="http://schemas.microsoft.com/office/powerpoint/2010/main" val="3174906787"/>
+        <p14:creationId xmlns:p14="http://schemas.microsoft.com/office/powerpoint/2010/main" xmlns="" val="3174906787"/>
       </p:ext>
     </p:extLst>
   </p:cSld>
@@ -6988,7 +7008,7 @@
           <p:cNvPr id="5" name="Рисунок 4">
             <a:extLst>
               <a:ext uri="{FF2B5EF4-FFF2-40B4-BE49-F238E27FC236}">
-                <a16:creationId xmlns:a16="http://schemas.microsoft.com/office/drawing/2014/main" id="{230D57AA-61DD-45D9-BDFE-45D3EFDA1D85}"/>
+                <a16:creationId xmlns:a16="http://schemas.microsoft.com/office/drawing/2014/main" xmlns="" id="{230D57AA-61DD-45D9-BDFE-45D3EFDA1D85}"/>
               </a:ext>
             </a:extLst>
           </p:cNvPr>
@@ -7016,7 +7036,7 @@
     </p:spTree>
     <p:extLst>
       <p:ext uri="{BB962C8B-B14F-4D97-AF65-F5344CB8AC3E}">
-        <p14:creationId xmlns:p14="http://schemas.microsoft.com/office/powerpoint/2010/main" val="2636070835"/>
+        <p14:creationId xmlns:p14="http://schemas.microsoft.com/office/powerpoint/2010/main" xmlns="" val="2636070835"/>
       </p:ext>
     </p:extLst>
   </p:cSld>
@@ -7081,7 +7101,7 @@
           <p:cNvPr id="3" name="Рисунок 2">
             <a:extLst>
               <a:ext uri="{FF2B5EF4-FFF2-40B4-BE49-F238E27FC236}">
-                <a16:creationId xmlns:a16="http://schemas.microsoft.com/office/drawing/2014/main" id="{3CF17BC1-FC04-4ED1-9B93-47F0128AE04E}"/>
+                <a16:creationId xmlns:a16="http://schemas.microsoft.com/office/drawing/2014/main" xmlns="" id="{3CF17BC1-FC04-4ED1-9B93-47F0128AE04E}"/>
               </a:ext>
             </a:extLst>
           </p:cNvPr>
@@ -7109,7 +7129,7 @@
     </p:spTree>
     <p:extLst>
       <p:ext uri="{BB962C8B-B14F-4D97-AF65-F5344CB8AC3E}">
-        <p14:creationId xmlns:p14="http://schemas.microsoft.com/office/powerpoint/2010/main" val="1943707337"/>
+        <p14:creationId xmlns:p14="http://schemas.microsoft.com/office/powerpoint/2010/main" xmlns="" val="1943707337"/>
       </p:ext>
     </p:extLst>
   </p:cSld>
@@ -7174,7 +7194,7 @@
           <p:cNvPr id="3" name="Рисунок 2">
             <a:extLst>
               <a:ext uri="{FF2B5EF4-FFF2-40B4-BE49-F238E27FC236}">
-                <a16:creationId xmlns:a16="http://schemas.microsoft.com/office/drawing/2014/main" id="{E0B42FBD-2991-4C69-A4EE-81B41F25E782}"/>
+                <a16:creationId xmlns:a16="http://schemas.microsoft.com/office/drawing/2014/main" xmlns="" id="{E0B42FBD-2991-4C69-A4EE-81B41F25E782}"/>
               </a:ext>
             </a:extLst>
           </p:cNvPr>
@@ -7202,7 +7222,7 @@
     </p:spTree>
     <p:extLst>
       <p:ext uri="{BB962C8B-B14F-4D97-AF65-F5344CB8AC3E}">
-        <p14:creationId xmlns:p14="http://schemas.microsoft.com/office/powerpoint/2010/main" val="1846713858"/>
+        <p14:creationId xmlns:p14="http://schemas.microsoft.com/office/powerpoint/2010/main" xmlns="" val="1846713858"/>
       </p:ext>
     </p:extLst>
   </p:cSld>
@@ -7267,7 +7287,7 @@
           <p:cNvPr id="3" name="Рисунок 2">
             <a:extLst>
               <a:ext uri="{FF2B5EF4-FFF2-40B4-BE49-F238E27FC236}">
-                <a16:creationId xmlns:a16="http://schemas.microsoft.com/office/drawing/2014/main" id="{D51E28F5-9F5D-44B0-8B06-51CFEDB2F517}"/>
+                <a16:creationId xmlns:a16="http://schemas.microsoft.com/office/drawing/2014/main" xmlns="" id="{D51E28F5-9F5D-44B0-8B06-51CFEDB2F517}"/>
               </a:ext>
             </a:extLst>
           </p:cNvPr>
@@ -7295,7 +7315,7 @@
     </p:spTree>
     <p:extLst>
       <p:ext uri="{BB962C8B-B14F-4D97-AF65-F5344CB8AC3E}">
-        <p14:creationId xmlns:p14="http://schemas.microsoft.com/office/powerpoint/2010/main" val="136933805"/>
+        <p14:creationId xmlns:p14="http://schemas.microsoft.com/office/powerpoint/2010/main" xmlns="" val="136933805"/>
       </p:ext>
     </p:extLst>
   </p:cSld>
@@ -7360,7 +7380,7 @@
           <p:cNvPr id="3" name="Рисунок 2">
             <a:extLst>
               <a:ext uri="{FF2B5EF4-FFF2-40B4-BE49-F238E27FC236}">
-                <a16:creationId xmlns:a16="http://schemas.microsoft.com/office/drawing/2014/main" id="{736DB76C-050D-4FD7-9216-CD7ED1E47FCD}"/>
+                <a16:creationId xmlns:a16="http://schemas.microsoft.com/office/drawing/2014/main" xmlns="" id="{736DB76C-050D-4FD7-9216-CD7ED1E47FCD}"/>
               </a:ext>
             </a:extLst>
           </p:cNvPr>
@@ -7388,7 +7408,7 @@
     </p:spTree>
     <p:extLst>
       <p:ext uri="{BB962C8B-B14F-4D97-AF65-F5344CB8AC3E}">
-        <p14:creationId xmlns:p14="http://schemas.microsoft.com/office/powerpoint/2010/main" val="1329493313"/>
+        <p14:creationId xmlns:p14="http://schemas.microsoft.com/office/powerpoint/2010/main" xmlns="" val="1329493313"/>
       </p:ext>
     </p:extLst>
   </p:cSld>
@@ -7453,7 +7473,7 @@
           <p:cNvPr id="3" name="Рисунок 2">
             <a:extLst>
               <a:ext uri="{FF2B5EF4-FFF2-40B4-BE49-F238E27FC236}">
-                <a16:creationId xmlns:a16="http://schemas.microsoft.com/office/drawing/2014/main" id="{C401DEDF-5617-4BBC-8DD6-A69255AE6E6E}"/>
+                <a16:creationId xmlns:a16="http://schemas.microsoft.com/office/drawing/2014/main" xmlns="" id="{C401DEDF-5617-4BBC-8DD6-A69255AE6E6E}"/>
               </a:ext>
             </a:extLst>
           </p:cNvPr>
@@ -7481,7 +7501,7 @@
     </p:spTree>
     <p:extLst>
       <p:ext uri="{BB962C8B-B14F-4D97-AF65-F5344CB8AC3E}">
-        <p14:creationId xmlns:p14="http://schemas.microsoft.com/office/powerpoint/2010/main" val="734920026"/>
+        <p14:creationId xmlns:p14="http://schemas.microsoft.com/office/powerpoint/2010/main" xmlns="" val="734920026"/>
       </p:ext>
     </p:extLst>
   </p:cSld>
@@ -7702,7 +7722,7 @@
     </p:spTree>
     <p:extLst>
       <p:ext uri="{BB962C8B-B14F-4D97-AF65-F5344CB8AC3E}">
-        <p14:creationId xmlns:p14="http://schemas.microsoft.com/office/powerpoint/2010/main" val="159788202"/>
+        <p14:creationId xmlns:p14="http://schemas.microsoft.com/office/powerpoint/2010/main" xmlns="" val="159788202"/>
       </p:ext>
     </p:extLst>
   </p:cSld>
@@ -7767,7 +7787,7 @@
           <p:cNvPr id="3" name="Рисунок 2">
             <a:extLst>
               <a:ext uri="{FF2B5EF4-FFF2-40B4-BE49-F238E27FC236}">
-                <a16:creationId xmlns:a16="http://schemas.microsoft.com/office/drawing/2014/main" id="{8BA2630F-FD23-4396-865F-48773745DF69}"/>
+                <a16:creationId xmlns:a16="http://schemas.microsoft.com/office/drawing/2014/main" xmlns="" id="{8BA2630F-FD23-4396-865F-48773745DF69}"/>
               </a:ext>
             </a:extLst>
           </p:cNvPr>
@@ -7795,7 +7815,7 @@
     </p:spTree>
     <p:extLst>
       <p:ext uri="{BB962C8B-B14F-4D97-AF65-F5344CB8AC3E}">
-        <p14:creationId xmlns:p14="http://schemas.microsoft.com/office/powerpoint/2010/main" val="3607326212"/>
+        <p14:creationId xmlns:p14="http://schemas.microsoft.com/office/powerpoint/2010/main" xmlns="" val="3607326212"/>
       </p:ext>
     </p:extLst>
   </p:cSld>
@@ -7860,7 +7880,7 @@
           <p:cNvPr id="5" name="Рисунок 4">
             <a:extLst>
               <a:ext uri="{FF2B5EF4-FFF2-40B4-BE49-F238E27FC236}">
-                <a16:creationId xmlns:a16="http://schemas.microsoft.com/office/drawing/2014/main" id="{E260A34F-5641-4148-B4A0-2B81C40E1657}"/>
+                <a16:creationId xmlns:a16="http://schemas.microsoft.com/office/drawing/2014/main" xmlns="" id="{E260A34F-5641-4148-B4A0-2B81C40E1657}"/>
               </a:ext>
             </a:extLst>
           </p:cNvPr>
@@ -7888,7 +7908,7 @@
     </p:spTree>
     <p:extLst>
       <p:ext uri="{BB962C8B-B14F-4D97-AF65-F5344CB8AC3E}">
-        <p14:creationId xmlns:p14="http://schemas.microsoft.com/office/powerpoint/2010/main" val="2853415492"/>
+        <p14:creationId xmlns:p14="http://schemas.microsoft.com/office/powerpoint/2010/main" xmlns="" val="2853415492"/>
       </p:ext>
     </p:extLst>
   </p:cSld>
@@ -7953,7 +7973,7 @@
           <p:cNvPr id="3" name="Рисунок 2">
             <a:extLst>
               <a:ext uri="{FF2B5EF4-FFF2-40B4-BE49-F238E27FC236}">
-                <a16:creationId xmlns:a16="http://schemas.microsoft.com/office/drawing/2014/main" id="{2A43E195-BECA-458B-9152-4F52E766C8F2}"/>
+                <a16:creationId xmlns:a16="http://schemas.microsoft.com/office/drawing/2014/main" xmlns="" id="{2A43E195-BECA-458B-9152-4F52E766C8F2}"/>
               </a:ext>
             </a:extLst>
           </p:cNvPr>
@@ -7981,7 +8001,7 @@
     </p:spTree>
     <p:extLst>
       <p:ext uri="{BB962C8B-B14F-4D97-AF65-F5344CB8AC3E}">
-        <p14:creationId xmlns:p14="http://schemas.microsoft.com/office/powerpoint/2010/main" val="3741646392"/>
+        <p14:creationId xmlns:p14="http://schemas.microsoft.com/office/powerpoint/2010/main" xmlns="" val="3741646392"/>
       </p:ext>
     </p:extLst>
   </p:cSld>
@@ -8082,6 +8102,110 @@
               </a:rPr>
               <a:t>	</a:t>
             </a:r>
+            <a:endParaRPr lang="ru-RU" sz="1600" dirty="0" smtClean="0">
+              <a:solidFill>
+                <a:schemeClr val="tx1"/>
+              </a:solidFill>
+              <a:latin typeface="Times New Roman" panose="02020603050405020304" pitchFamily="18" charset="0"/>
+              <a:cs typeface="Times New Roman" panose="02020603050405020304" pitchFamily="18" charset="0"/>
+            </a:endParaRPr>
+          </a:p>
+          <a:p>
+            <a:pPr indent="450215" algn="just">
+              <a:lnSpc>
+                <a:spcPct val="150000"/>
+              </a:lnSpc>
+              <a:spcAft>
+                <a:spcPts val="0"/>
+              </a:spcAft>
+              <a:buNone/>
+            </a:pPr>
+            <a:endParaRPr lang="ru-RU" sz="1600" dirty="0" smtClean="0">
+              <a:solidFill>
+                <a:schemeClr val="tx1"/>
+              </a:solidFill>
+              <a:latin typeface="Times New Roman" panose="02020603050405020304" pitchFamily="18" charset="0"/>
+              <a:cs typeface="Times New Roman" panose="02020603050405020304" pitchFamily="18" charset="0"/>
+            </a:endParaRPr>
+          </a:p>
+          <a:p>
+            <a:pPr indent="450215" algn="just">
+              <a:lnSpc>
+                <a:spcPct val="150000"/>
+              </a:lnSpc>
+              <a:spcAft>
+                <a:spcPts val="0"/>
+              </a:spcAft>
+              <a:buNone/>
+            </a:pPr>
+            <a:endParaRPr lang="ru-RU" sz="1600" dirty="0" smtClean="0">
+              <a:solidFill>
+                <a:schemeClr val="tx1"/>
+              </a:solidFill>
+              <a:latin typeface="Times New Roman" panose="02020603050405020304" pitchFamily="18" charset="0"/>
+              <a:cs typeface="Times New Roman" panose="02020603050405020304" pitchFamily="18" charset="0"/>
+            </a:endParaRPr>
+          </a:p>
+          <a:p>
+            <a:pPr indent="450215" algn="just">
+              <a:lnSpc>
+                <a:spcPct val="150000"/>
+              </a:lnSpc>
+              <a:spcAft>
+                <a:spcPts val="0"/>
+              </a:spcAft>
+              <a:buNone/>
+            </a:pPr>
+            <a:r>
+              <a:rPr lang="ru-RU" sz="1600" dirty="0" smtClean="0">
+                <a:solidFill>
+                  <a:schemeClr val="tx1"/>
+                </a:solidFill>
+                <a:latin typeface="Times New Roman" panose="02020603050405020304" pitchFamily="18" charset="0"/>
+                <a:cs typeface="Times New Roman" panose="02020603050405020304" pitchFamily="18" charset="0"/>
+              </a:rPr>
+              <a:t>В </a:t>
+            </a:r>
+            <a:r>
+              <a:rPr lang="ru-RU" sz="1600" dirty="0">
+                <a:solidFill>
+                  <a:schemeClr val="tx1"/>
+                </a:solidFill>
+                <a:latin typeface="Times New Roman" panose="02020603050405020304" pitchFamily="18" charset="0"/>
+                <a:cs typeface="Times New Roman" panose="02020603050405020304" pitchFamily="18" charset="0"/>
+              </a:rPr>
+              <a:t>ходе выполнение курсового проекта была разработана автоматизированная информационная система по ведению базы данных расчета и учета оплаты ЖКХ. </a:t>
+            </a:r>
+            <a:r>
+              <a:rPr lang="ru-RU" sz="1600" dirty="0" smtClean="0">
+                <a:solidFill>
+                  <a:schemeClr val="tx1"/>
+                </a:solidFill>
+                <a:latin typeface="Times New Roman"/>
+                <a:ea typeface="Times New Roman"/>
+              </a:rPr>
+              <a:t>Автоматизированная информационная система предназначена для оптимизации работы диспетчера ЖКХ, за счёт облегчения заполнения данных, ведения учёта оплаченных и </a:t>
+            </a:r>
+            <a:r>
+              <a:rPr lang="ru-RU" sz="1600" dirty="0" smtClean="0">
+                <a:solidFill>
+                  <a:schemeClr val="tx1"/>
+                </a:solidFill>
+                <a:latin typeface="Times New Roman"/>
+                <a:ea typeface="Times New Roman"/>
+              </a:rPr>
+              <a:t>неоплаченных счетов</a:t>
+            </a:r>
+            <a:r>
+              <a:rPr lang="ru-RU" sz="1600" dirty="0" smtClean="0">
+                <a:solidFill>
+                  <a:schemeClr val="tx1"/>
+                </a:solidFill>
+                <a:latin typeface="Times New Roman"/>
+                <a:ea typeface="Times New Roman"/>
+              </a:rPr>
+              <a:t>, отчёт за выбранный период времени. </a:t>
+            </a:r>
             <a:endParaRPr lang="ru-RU" sz="1600" dirty="0">
               <a:solidFill>
                 <a:schemeClr val="tx1"/>
@@ -8091,15 +8215,274 @@
             </a:endParaRPr>
           </a:p>
           <a:p>
-            <a:pPr indent="450215" algn="just">
-              <a:lnSpc>
-                <a:spcPct val="150000"/>
-              </a:lnSpc>
-              <a:spcAft>
-                <a:spcPts val="0"/>
-              </a:spcAft>
+            <a:pPr marL="0" indent="0" algn="just">
               <a:buNone/>
             </a:pPr>
+            <a:r>
+              <a:rPr lang="en-US" sz="1600" dirty="0">
+                <a:solidFill>
+                  <a:schemeClr val="tx1"/>
+                </a:solidFill>
+                <a:latin typeface="Times New Roman" panose="02020603050405020304" pitchFamily="18" charset="0"/>
+                <a:cs typeface="Times New Roman" panose="02020603050405020304" pitchFamily="18" charset="0"/>
+              </a:rPr>
+              <a:t>	</a:t>
+            </a:r>
+            <a:r>
+              <a:rPr lang="ru-RU" sz="1600" dirty="0">
+                <a:solidFill>
+                  <a:schemeClr val="tx1"/>
+                </a:solidFill>
+                <a:latin typeface="Times New Roman" panose="02020603050405020304" pitchFamily="18" charset="0"/>
+                <a:cs typeface="Times New Roman" panose="02020603050405020304" pitchFamily="18" charset="0"/>
+              </a:rPr>
+              <a:t>Автоматизированная информационная система выполняет:</a:t>
+            </a:r>
+          </a:p>
+          <a:p>
+            <a:pPr marL="0" lvl="2" indent="450000" algn="just"/>
+            <a:r>
+              <a:rPr lang="ru-RU" dirty="0">
+                <a:solidFill>
+                  <a:schemeClr val="tx1"/>
+                </a:solidFill>
+                <a:latin typeface="Times New Roman" panose="02020603050405020304" pitchFamily="18" charset="0"/>
+                <a:cs typeface="Times New Roman" panose="02020603050405020304" pitchFamily="18" charset="0"/>
+              </a:rPr>
+              <a:t>изменение статуса счета плательщика</a:t>
+            </a:r>
+          </a:p>
+          <a:p>
+            <a:pPr marL="0" lvl="2" indent="450000" algn="just"/>
+            <a:r>
+              <a:rPr lang="ru-RU" dirty="0">
+                <a:solidFill>
+                  <a:schemeClr val="tx1"/>
+                </a:solidFill>
+                <a:latin typeface="Times New Roman" panose="02020603050405020304" pitchFamily="18" charset="0"/>
+                <a:cs typeface="Times New Roman" panose="02020603050405020304" pitchFamily="18" charset="0"/>
+              </a:rPr>
+              <a:t>просмотр информации базы данных</a:t>
+            </a:r>
+            <a:r>
+              <a:rPr lang="en-US" dirty="0">
+                <a:solidFill>
+                  <a:schemeClr val="tx1"/>
+                </a:solidFill>
+                <a:latin typeface="Times New Roman" panose="02020603050405020304" pitchFamily="18" charset="0"/>
+                <a:cs typeface="Times New Roman" panose="02020603050405020304" pitchFamily="18" charset="0"/>
+              </a:rPr>
+              <a:t>;</a:t>
+            </a:r>
+            <a:endParaRPr lang="ru-RU" dirty="0">
+              <a:solidFill>
+                <a:schemeClr val="tx1"/>
+              </a:solidFill>
+              <a:latin typeface="Times New Roman" panose="02020603050405020304" pitchFamily="18" charset="0"/>
+              <a:cs typeface="Times New Roman" panose="02020603050405020304" pitchFamily="18" charset="0"/>
+            </a:endParaRPr>
+          </a:p>
+          <a:p>
+            <a:pPr marL="0" lvl="2" indent="450000" algn="just"/>
+            <a:r>
+              <a:rPr lang="ru-RU" dirty="0">
+                <a:solidFill>
+                  <a:schemeClr val="tx1"/>
+                </a:solidFill>
+                <a:latin typeface="Times New Roman" panose="02020603050405020304" pitchFamily="18" charset="0"/>
+                <a:cs typeface="Times New Roman" panose="02020603050405020304" pitchFamily="18" charset="0"/>
+              </a:rPr>
+              <a:t>добавление, удаление и редактирование информации в базе данных</a:t>
+            </a:r>
+            <a:r>
+              <a:rPr lang="en-US" dirty="0">
+                <a:solidFill>
+                  <a:schemeClr val="tx1"/>
+                </a:solidFill>
+                <a:latin typeface="Times New Roman" panose="02020603050405020304" pitchFamily="18" charset="0"/>
+                <a:cs typeface="Times New Roman" panose="02020603050405020304" pitchFamily="18" charset="0"/>
+              </a:rPr>
+              <a:t>;</a:t>
+            </a:r>
+            <a:endParaRPr lang="ru-RU" dirty="0">
+              <a:solidFill>
+                <a:schemeClr val="tx1"/>
+              </a:solidFill>
+              <a:latin typeface="Times New Roman" panose="02020603050405020304" pitchFamily="18" charset="0"/>
+              <a:cs typeface="Times New Roman" panose="02020603050405020304" pitchFamily="18" charset="0"/>
+            </a:endParaRPr>
+          </a:p>
+          <a:p>
+            <a:pPr marL="0" lvl="2" indent="450000" algn="just"/>
+            <a:r>
+              <a:rPr lang="ru-RU" dirty="0">
+                <a:solidFill>
+                  <a:schemeClr val="tx1"/>
+                </a:solidFill>
+                <a:effectLst/>
+                <a:latin typeface="Times New Roman" panose="02020603050405020304" pitchFamily="18" charset="0"/>
+                <a:ea typeface="Times New Roman" panose="02020603050405020304" pitchFamily="18" charset="0"/>
+              </a:rPr>
+              <a:t>печать платежного договора оплаты услуг ЖКХ;</a:t>
+            </a:r>
+          </a:p>
+          <a:p>
+            <a:pPr marL="0" lvl="2" indent="450000" algn="just"/>
+            <a:r>
+              <a:rPr lang="ru-RU" dirty="0">
+                <a:solidFill>
+                  <a:schemeClr val="tx1"/>
+                </a:solidFill>
+                <a:effectLst/>
+                <a:latin typeface="Times New Roman" panose="02020603050405020304" pitchFamily="18" charset="0"/>
+                <a:ea typeface="Times New Roman" panose="02020603050405020304" pitchFamily="18" charset="0"/>
+              </a:rPr>
+              <a:t>возможность ввода нового тарифа </a:t>
+            </a:r>
+            <a:r>
+              <a:rPr lang="ru-RU" dirty="0" smtClean="0">
+                <a:solidFill>
+                  <a:schemeClr val="tx1"/>
+                </a:solidFill>
+                <a:effectLst/>
+                <a:latin typeface="Times New Roman" panose="02020603050405020304" pitchFamily="18" charset="0"/>
+                <a:ea typeface="Times New Roman" panose="02020603050405020304" pitchFamily="18" charset="0"/>
+              </a:rPr>
+              <a:t>ЖКХ</a:t>
+            </a:r>
+            <a:r>
+              <a:rPr lang="en-US" dirty="0" smtClean="0">
+                <a:solidFill>
+                  <a:schemeClr val="tx1"/>
+                </a:solidFill>
+                <a:effectLst/>
+                <a:latin typeface="Times New Roman" panose="02020603050405020304" pitchFamily="18" charset="0"/>
+                <a:ea typeface="Times New Roman" panose="02020603050405020304" pitchFamily="18" charset="0"/>
+              </a:rPr>
+              <a:t>;</a:t>
+            </a:r>
+            <a:endParaRPr lang="ru-RU" dirty="0">
+              <a:solidFill>
+                <a:schemeClr val="tx1"/>
+              </a:solidFill>
+              <a:latin typeface="Times New Roman" panose="02020603050405020304" pitchFamily="18" charset="0"/>
+              <a:cs typeface="Times New Roman" panose="02020603050405020304" pitchFamily="18" charset="0"/>
+            </a:endParaRPr>
+          </a:p>
+          <a:p>
+            <a:pPr marL="0" lvl="2" indent="450000" algn="just"/>
+            <a:r>
+              <a:rPr lang="ru-RU" dirty="0">
+                <a:solidFill>
+                  <a:schemeClr val="tx1"/>
+                </a:solidFill>
+                <a:latin typeface="Times New Roman" panose="02020603050405020304" pitchFamily="18" charset="0"/>
+                <a:cs typeface="Times New Roman" panose="02020603050405020304" pitchFamily="18" charset="0"/>
+              </a:rPr>
+              <a:t>расчет стоимости оплаты ЖКХ за </a:t>
+            </a:r>
+            <a:r>
+              <a:rPr lang="ru-RU" dirty="0" smtClean="0">
+                <a:solidFill>
+                  <a:schemeClr val="tx1"/>
+                </a:solidFill>
+                <a:latin typeface="Times New Roman" panose="02020603050405020304" pitchFamily="18" charset="0"/>
+                <a:cs typeface="Times New Roman" panose="02020603050405020304" pitchFamily="18" charset="0"/>
+              </a:rPr>
+              <a:t>месяц</a:t>
+            </a:r>
+            <a:r>
+              <a:rPr lang="en-US" dirty="0" smtClean="0">
+                <a:solidFill>
+                  <a:schemeClr val="tx1"/>
+                </a:solidFill>
+                <a:latin typeface="Times New Roman" panose="02020603050405020304" pitchFamily="18" charset="0"/>
+                <a:cs typeface="Times New Roman" panose="02020603050405020304" pitchFamily="18" charset="0"/>
+              </a:rPr>
+              <a:t>;</a:t>
+            </a:r>
+            <a:endParaRPr lang="ru-RU" dirty="0">
+              <a:solidFill>
+                <a:schemeClr val="tx1"/>
+              </a:solidFill>
+              <a:latin typeface="Times New Roman" panose="02020603050405020304" pitchFamily="18" charset="0"/>
+              <a:cs typeface="Times New Roman" panose="02020603050405020304" pitchFamily="18" charset="0"/>
+            </a:endParaRPr>
+          </a:p>
+          <a:p>
+            <a:pPr marL="0" lvl="2" indent="450000" algn="just"/>
+            <a:r>
+              <a:rPr lang="ru-RU" dirty="0">
+                <a:solidFill>
+                  <a:schemeClr val="tx1"/>
+                </a:solidFill>
+                <a:latin typeface="Times New Roman" panose="02020603050405020304" pitchFamily="18" charset="0"/>
+                <a:cs typeface="Times New Roman" panose="02020603050405020304" pitchFamily="18" charset="0"/>
+              </a:rPr>
+              <a:t>резервное копирование </a:t>
+            </a:r>
+            <a:r>
+              <a:rPr lang="ru-RU" dirty="0" smtClean="0">
+                <a:solidFill>
+                  <a:schemeClr val="tx1"/>
+                </a:solidFill>
+                <a:latin typeface="Times New Roman" panose="02020603050405020304" pitchFamily="18" charset="0"/>
+                <a:cs typeface="Times New Roman" panose="02020603050405020304" pitchFamily="18" charset="0"/>
+              </a:rPr>
+              <a:t>БД</a:t>
+            </a:r>
+            <a:r>
+              <a:rPr lang="en-US" dirty="0" smtClean="0">
+                <a:solidFill>
+                  <a:schemeClr val="tx1"/>
+                </a:solidFill>
+                <a:latin typeface="Times New Roman" panose="02020603050405020304" pitchFamily="18" charset="0"/>
+                <a:cs typeface="Times New Roman" panose="02020603050405020304" pitchFamily="18" charset="0"/>
+              </a:rPr>
+              <a:t>.</a:t>
+            </a:r>
+            <a:endParaRPr lang="en-US" dirty="0">
+              <a:solidFill>
+                <a:schemeClr val="tx1"/>
+              </a:solidFill>
+              <a:latin typeface="Times New Roman" panose="02020603050405020304" pitchFamily="18" charset="0"/>
+              <a:cs typeface="Times New Roman" panose="02020603050405020304" pitchFamily="18" charset="0"/>
+            </a:endParaRPr>
+          </a:p>
+          <a:p>
+            <a:pPr marL="0" indent="0" algn="just">
+              <a:buNone/>
+            </a:pPr>
+            <a:r>
+              <a:rPr lang="en-US" sz="1600" dirty="0">
+                <a:solidFill>
+                  <a:schemeClr val="tx1"/>
+                </a:solidFill>
+                <a:latin typeface="Times New Roman" panose="02020603050405020304" pitchFamily="18" charset="0"/>
+                <a:cs typeface="Times New Roman" panose="02020603050405020304" pitchFamily="18" charset="0"/>
+              </a:rPr>
+              <a:t>	</a:t>
+            </a:r>
+            <a:r>
+              <a:rPr lang="ru-RU" sz="1600" dirty="0">
+                <a:solidFill>
+                  <a:schemeClr val="tx1"/>
+                </a:solidFill>
+                <a:latin typeface="Times New Roman" panose="02020603050405020304" pitchFamily="18" charset="0"/>
+                <a:cs typeface="Times New Roman" panose="02020603050405020304" pitchFamily="18" charset="0"/>
+              </a:rPr>
+              <a:t>В дальнейшем возможна доработка программы, добавление новых функций по ведению базы данных.</a:t>
+            </a:r>
+            <a:r>
+              <a:rPr lang="en-US" sz="1600" dirty="0">
+                <a:solidFill>
+                  <a:schemeClr val="tx1"/>
+                </a:solidFill>
+                <a:latin typeface="Times New Roman" panose="02020603050405020304" pitchFamily="18" charset="0"/>
+                <a:cs typeface="Times New Roman" panose="02020603050405020304" pitchFamily="18" charset="0"/>
+              </a:rPr>
+              <a:t>	</a:t>
+            </a:r>
             <a:endParaRPr lang="ru-RU" sz="1600" dirty="0">
               <a:solidFill>
                 <a:schemeClr val="tx1"/>
@@ -8108,307 +8491,12 @@
               <a:cs typeface="Times New Roman" panose="02020603050405020304" pitchFamily="18" charset="0"/>
             </a:endParaRPr>
           </a:p>
-          <a:p>
-            <a:pPr indent="450215" algn="just">
-              <a:lnSpc>
-                <a:spcPct val="150000"/>
-              </a:lnSpc>
-              <a:spcAft>
-                <a:spcPts val="0"/>
-              </a:spcAft>
-              <a:buNone/>
-            </a:pPr>
-            <a:endParaRPr lang="ru-RU" sz="1600" dirty="0">
-              <a:solidFill>
-                <a:schemeClr val="tx1"/>
-              </a:solidFill>
-              <a:latin typeface="Times New Roman" panose="02020603050405020304" pitchFamily="18" charset="0"/>
-              <a:cs typeface="Times New Roman" panose="02020603050405020304" pitchFamily="18" charset="0"/>
-            </a:endParaRPr>
-          </a:p>
-          <a:p>
-            <a:pPr indent="450215" algn="just">
-              <a:lnSpc>
-                <a:spcPct val="150000"/>
-              </a:lnSpc>
-              <a:spcAft>
-                <a:spcPts val="0"/>
-              </a:spcAft>
-              <a:buNone/>
-            </a:pPr>
-            <a:r>
-              <a:rPr lang="ru-RU" sz="1600" dirty="0">
-                <a:solidFill>
-                  <a:schemeClr val="tx1"/>
-                </a:solidFill>
-                <a:latin typeface="Times New Roman" panose="02020603050405020304" pitchFamily="18" charset="0"/>
-                <a:cs typeface="Times New Roman" panose="02020603050405020304" pitchFamily="18" charset="0"/>
-              </a:rPr>
-              <a:t>В ходе выполнение курсового проекта была разработана автоматизированная информационная система по ведению базы данных расчета и учета оплаты ЖКХ. </a:t>
-            </a:r>
-            <a:r>
-              <a:rPr lang="ru-RU" sz="1600" dirty="0">
-                <a:solidFill>
-                  <a:schemeClr val="tx1"/>
-                </a:solidFill>
-                <a:latin typeface="Times New Roman"/>
-                <a:ea typeface="Times New Roman"/>
-              </a:rPr>
-              <a:t>Автоматизированная информационная система предназначена для оптимизации работы диспетчера ЖКХ, за счёт облегчения заполнения данных, ведения учёта оплаченных и неоплаченных счетов, отчёт за выбранный период времени. </a:t>
-            </a:r>
-            <a:endParaRPr lang="ru-RU" sz="1600" dirty="0">
-              <a:solidFill>
-                <a:schemeClr val="tx1"/>
-              </a:solidFill>
-              <a:latin typeface="Times New Roman" panose="02020603050405020304" pitchFamily="18" charset="0"/>
-              <a:cs typeface="Times New Roman" panose="02020603050405020304" pitchFamily="18" charset="0"/>
-            </a:endParaRPr>
-          </a:p>
-          <a:p>
-            <a:pPr marL="0" indent="0" algn="just">
-              <a:buNone/>
-            </a:pPr>
-            <a:r>
-              <a:rPr lang="en-US" sz="1600" dirty="0">
-                <a:solidFill>
-                  <a:schemeClr val="tx1"/>
-                </a:solidFill>
-                <a:latin typeface="Times New Roman" panose="02020603050405020304" pitchFamily="18" charset="0"/>
-                <a:cs typeface="Times New Roman" panose="02020603050405020304" pitchFamily="18" charset="0"/>
-              </a:rPr>
-              <a:t>	</a:t>
-            </a:r>
-            <a:r>
-              <a:rPr lang="ru-RU" sz="1600" dirty="0">
-                <a:solidFill>
-                  <a:schemeClr val="tx1"/>
-                </a:solidFill>
-                <a:latin typeface="Times New Roman" panose="02020603050405020304" pitchFamily="18" charset="0"/>
-                <a:cs typeface="Times New Roman" panose="02020603050405020304" pitchFamily="18" charset="0"/>
-              </a:rPr>
-              <a:t>Автоматизированная информационная система выполняет:</a:t>
-            </a:r>
-          </a:p>
-          <a:p>
-            <a:pPr marL="0" lvl="2" indent="450000" algn="just"/>
-            <a:r>
-              <a:rPr lang="ru-RU" dirty="0">
-                <a:solidFill>
-                  <a:schemeClr val="tx1"/>
-                </a:solidFill>
-                <a:latin typeface="Times New Roman" panose="02020603050405020304" pitchFamily="18" charset="0"/>
-                <a:cs typeface="Times New Roman" panose="02020603050405020304" pitchFamily="18" charset="0"/>
-              </a:rPr>
-              <a:t>изменение статуса счета плательщика</a:t>
-            </a:r>
-          </a:p>
-          <a:p>
-            <a:pPr marL="0" lvl="2" indent="450000" algn="just"/>
-            <a:r>
-              <a:rPr lang="ru-RU" dirty="0">
-                <a:solidFill>
-                  <a:schemeClr val="tx1"/>
-                </a:solidFill>
-                <a:latin typeface="Times New Roman" panose="02020603050405020304" pitchFamily="18" charset="0"/>
-                <a:cs typeface="Times New Roman" panose="02020603050405020304" pitchFamily="18" charset="0"/>
-              </a:rPr>
-              <a:t>просмотр информации базы данных</a:t>
-            </a:r>
-            <a:r>
-              <a:rPr lang="en-US" dirty="0">
-                <a:solidFill>
-                  <a:schemeClr val="tx1"/>
-                </a:solidFill>
-                <a:latin typeface="Times New Roman" panose="02020603050405020304" pitchFamily="18" charset="0"/>
-                <a:cs typeface="Times New Roman" panose="02020603050405020304" pitchFamily="18" charset="0"/>
-              </a:rPr>
-              <a:t>;</a:t>
-            </a:r>
-            <a:endParaRPr lang="ru-RU" dirty="0">
-              <a:solidFill>
-                <a:schemeClr val="tx1"/>
-              </a:solidFill>
-              <a:latin typeface="Times New Roman" panose="02020603050405020304" pitchFamily="18" charset="0"/>
-              <a:cs typeface="Times New Roman" panose="02020603050405020304" pitchFamily="18" charset="0"/>
-            </a:endParaRPr>
-          </a:p>
-          <a:p>
-            <a:pPr marL="0" lvl="2" indent="450000" algn="just"/>
-            <a:r>
-              <a:rPr lang="ru-RU" dirty="0">
-                <a:solidFill>
-                  <a:schemeClr val="tx1"/>
-                </a:solidFill>
-                <a:latin typeface="Times New Roman" panose="02020603050405020304" pitchFamily="18" charset="0"/>
-                <a:cs typeface="Times New Roman" panose="02020603050405020304" pitchFamily="18" charset="0"/>
-              </a:rPr>
-              <a:t>добавление, удаление и редактирование информации в базе данных</a:t>
-            </a:r>
-            <a:r>
-              <a:rPr lang="en-US" dirty="0">
-                <a:solidFill>
-                  <a:schemeClr val="tx1"/>
-                </a:solidFill>
-                <a:latin typeface="Times New Roman" panose="02020603050405020304" pitchFamily="18" charset="0"/>
-                <a:cs typeface="Times New Roman" panose="02020603050405020304" pitchFamily="18" charset="0"/>
-              </a:rPr>
-              <a:t>;</a:t>
-            </a:r>
-            <a:endParaRPr lang="ru-RU" dirty="0">
-              <a:solidFill>
-                <a:schemeClr val="tx1"/>
-              </a:solidFill>
-              <a:latin typeface="Times New Roman" panose="02020603050405020304" pitchFamily="18" charset="0"/>
-              <a:cs typeface="Times New Roman" panose="02020603050405020304" pitchFamily="18" charset="0"/>
-            </a:endParaRPr>
-          </a:p>
-          <a:p>
-            <a:pPr marL="0" lvl="2" indent="450000" algn="just"/>
-            <a:r>
-              <a:rPr lang="ru-RU" dirty="0">
-                <a:solidFill>
-                  <a:schemeClr val="tx1"/>
-                </a:solidFill>
-                <a:effectLst/>
-                <a:latin typeface="Times New Roman" panose="02020603050405020304" pitchFamily="18" charset="0"/>
-                <a:ea typeface="Times New Roman" panose="02020603050405020304" pitchFamily="18" charset="0"/>
-              </a:rPr>
-              <a:t>печать платежного договора оплаты услуг ЖКХ;</a:t>
-            </a:r>
-          </a:p>
-          <a:p>
-            <a:pPr marL="0" lvl="2" indent="450000" algn="just"/>
-            <a:r>
-              <a:rPr lang="ru-RU" dirty="0">
-                <a:solidFill>
-                  <a:schemeClr val="tx1"/>
-                </a:solidFill>
-                <a:effectLst/>
-                <a:latin typeface="Times New Roman" panose="02020603050405020304" pitchFamily="18" charset="0"/>
-                <a:ea typeface="Times New Roman" panose="02020603050405020304" pitchFamily="18" charset="0"/>
-              </a:rPr>
-              <a:t>возможность ввода нового тарифа ЖКХ</a:t>
-            </a:r>
-            <a:r>
-              <a:rPr lang="en-US" dirty="0">
-                <a:solidFill>
-                  <a:schemeClr val="tx1"/>
-                </a:solidFill>
-                <a:effectLst/>
-                <a:latin typeface="Times New Roman" panose="02020603050405020304" pitchFamily="18" charset="0"/>
-                <a:ea typeface="Times New Roman" panose="02020603050405020304" pitchFamily="18" charset="0"/>
-              </a:rPr>
-              <a:t>;</a:t>
-            </a:r>
-            <a:endParaRPr lang="ru-RU" dirty="0">
-              <a:solidFill>
-                <a:schemeClr val="tx1"/>
-              </a:solidFill>
-              <a:latin typeface="Times New Roman" panose="02020603050405020304" pitchFamily="18" charset="0"/>
-              <a:cs typeface="Times New Roman" panose="02020603050405020304" pitchFamily="18" charset="0"/>
-            </a:endParaRPr>
-          </a:p>
-          <a:p>
-            <a:pPr marL="0" lvl="2" indent="450000" algn="just"/>
-            <a:r>
-              <a:rPr lang="ru-RU" dirty="0">
-                <a:solidFill>
-                  <a:schemeClr val="tx1"/>
-                </a:solidFill>
-                <a:latin typeface="Times New Roman" panose="02020603050405020304" pitchFamily="18" charset="0"/>
-                <a:cs typeface="Times New Roman" panose="02020603050405020304" pitchFamily="18" charset="0"/>
-              </a:rPr>
-              <a:t>расчет стоимости оплаты ЖКХ за месяц</a:t>
-            </a:r>
-            <a:r>
-              <a:rPr lang="en-US" dirty="0">
-                <a:solidFill>
-                  <a:schemeClr val="tx1"/>
-                </a:solidFill>
-                <a:latin typeface="Times New Roman" panose="02020603050405020304" pitchFamily="18" charset="0"/>
-                <a:cs typeface="Times New Roman" panose="02020603050405020304" pitchFamily="18" charset="0"/>
-              </a:rPr>
-              <a:t>;</a:t>
-            </a:r>
-            <a:endParaRPr lang="ru-RU" dirty="0">
-              <a:solidFill>
-                <a:schemeClr val="tx1"/>
-              </a:solidFill>
-              <a:latin typeface="Times New Roman" panose="02020603050405020304" pitchFamily="18" charset="0"/>
-              <a:cs typeface="Times New Roman" panose="02020603050405020304" pitchFamily="18" charset="0"/>
-            </a:endParaRPr>
-          </a:p>
-          <a:p>
-            <a:pPr marL="0" lvl="2" indent="450000" algn="just"/>
-            <a:r>
-              <a:rPr lang="ru-RU" dirty="0">
-                <a:solidFill>
-                  <a:schemeClr val="tx1"/>
-                </a:solidFill>
-                <a:latin typeface="Times New Roman" panose="02020603050405020304" pitchFamily="18" charset="0"/>
-                <a:cs typeface="Times New Roman" panose="02020603050405020304" pitchFamily="18" charset="0"/>
-              </a:rPr>
-              <a:t>резервное копирование БД</a:t>
-            </a:r>
-            <a:r>
-              <a:rPr lang="en-US" dirty="0">
-                <a:solidFill>
-                  <a:schemeClr val="tx1"/>
-                </a:solidFill>
-                <a:latin typeface="Times New Roman" panose="02020603050405020304" pitchFamily="18" charset="0"/>
-                <a:cs typeface="Times New Roman" panose="02020603050405020304" pitchFamily="18" charset="0"/>
-              </a:rPr>
-              <a:t>.</a:t>
-            </a:r>
-          </a:p>
-          <a:p>
-            <a:pPr marL="0" indent="0" algn="just">
-              <a:buNone/>
-            </a:pPr>
-            <a:r>
-              <a:rPr lang="en-US" sz="1600" dirty="0">
-                <a:solidFill>
-                  <a:schemeClr val="tx1"/>
-                </a:solidFill>
-                <a:latin typeface="Times New Roman" panose="02020603050405020304" pitchFamily="18" charset="0"/>
-                <a:cs typeface="Times New Roman" panose="02020603050405020304" pitchFamily="18" charset="0"/>
-              </a:rPr>
-              <a:t>	</a:t>
-            </a:r>
-            <a:r>
-              <a:rPr lang="ru-RU" sz="1600" dirty="0">
-                <a:solidFill>
-                  <a:schemeClr val="tx1"/>
-                </a:solidFill>
-                <a:latin typeface="Times New Roman" panose="02020603050405020304" pitchFamily="18" charset="0"/>
-                <a:cs typeface="Times New Roman" panose="02020603050405020304" pitchFamily="18" charset="0"/>
-              </a:rPr>
-              <a:t>В дальнейшем возможна доработка программы, добавление новых функций по ведению базы данных.</a:t>
-            </a:r>
-            <a:r>
-              <a:rPr lang="en-US" sz="1600" dirty="0">
-                <a:solidFill>
-                  <a:schemeClr val="tx1"/>
-                </a:solidFill>
-                <a:latin typeface="Times New Roman" panose="02020603050405020304" pitchFamily="18" charset="0"/>
-                <a:cs typeface="Times New Roman" panose="02020603050405020304" pitchFamily="18" charset="0"/>
-              </a:rPr>
-              <a:t>	</a:t>
-            </a:r>
-            <a:endParaRPr lang="ru-RU" sz="1600" dirty="0">
-              <a:solidFill>
-                <a:schemeClr val="tx1"/>
-              </a:solidFill>
-              <a:latin typeface="Times New Roman" panose="02020603050405020304" pitchFamily="18" charset="0"/>
-              <a:cs typeface="Times New Roman" panose="02020603050405020304" pitchFamily="18" charset="0"/>
-            </a:endParaRPr>
-          </a:p>
         </p:txBody>
       </p:sp>
     </p:spTree>
     <p:extLst>
       <p:ext uri="{BB962C8B-B14F-4D97-AF65-F5344CB8AC3E}">
-        <p14:creationId xmlns:p14="http://schemas.microsoft.com/office/powerpoint/2010/main" val="4134521495"/>
+        <p14:creationId xmlns:p14="http://schemas.microsoft.com/office/powerpoint/2010/main" xmlns="" val="4134521495"/>
       </p:ext>
     </p:extLst>
   </p:cSld>
@@ -8516,7 +8604,7 @@
     </p:spTree>
     <p:extLst>
       <p:ext uri="{BB962C8B-B14F-4D97-AF65-F5344CB8AC3E}">
-        <p14:creationId xmlns:p14="http://schemas.microsoft.com/office/powerpoint/2010/main" val="1110813844"/>
+        <p14:creationId xmlns:p14="http://schemas.microsoft.com/office/powerpoint/2010/main" xmlns="" val="1110813844"/>
       </p:ext>
     </p:extLst>
   </p:cSld>
@@ -8827,7 +8915,7 @@
     </p:spTree>
     <p:extLst>
       <p:ext uri="{BB962C8B-B14F-4D97-AF65-F5344CB8AC3E}">
-        <p14:creationId xmlns:p14="http://schemas.microsoft.com/office/powerpoint/2010/main" val="2711522825"/>
+        <p14:creationId xmlns:p14="http://schemas.microsoft.com/office/powerpoint/2010/main" xmlns="" val="2711522825"/>
       </p:ext>
     </p:extLst>
   </p:cSld>
@@ -9069,7 +9157,7 @@
     </p:spTree>
     <p:extLst>
       <p:ext uri="{BB962C8B-B14F-4D97-AF65-F5344CB8AC3E}">
-        <p14:creationId xmlns:p14="http://schemas.microsoft.com/office/powerpoint/2010/main" val="1382613824"/>
+        <p14:creationId xmlns:p14="http://schemas.microsoft.com/office/powerpoint/2010/main" xmlns="" val="1382613824"/>
       </p:ext>
     </p:extLst>
   </p:cSld>
@@ -9295,7 +9383,7 @@
     </p:spTree>
     <p:extLst>
       <p:ext uri="{BB962C8B-B14F-4D97-AF65-F5344CB8AC3E}">
-        <p14:creationId xmlns:p14="http://schemas.microsoft.com/office/powerpoint/2010/main" val="2465295014"/>
+        <p14:creationId xmlns:p14="http://schemas.microsoft.com/office/powerpoint/2010/main" xmlns="" val="2465295014"/>
       </p:ext>
     </p:extLst>
   </p:cSld>
@@ -9435,7 +9523,7 @@
     </p:spTree>
     <p:extLst>
       <p:ext uri="{BB962C8B-B14F-4D97-AF65-F5344CB8AC3E}">
-        <p14:creationId xmlns:p14="http://schemas.microsoft.com/office/powerpoint/2010/main" val="994663989"/>
+        <p14:creationId xmlns:p14="http://schemas.microsoft.com/office/powerpoint/2010/main" xmlns="" val="994663989"/>
       </p:ext>
     </p:extLst>
   </p:cSld>
@@ -9671,7 +9759,7 @@
     </p:spTree>
     <p:extLst>
       <p:ext uri="{BB962C8B-B14F-4D97-AF65-F5344CB8AC3E}">
-        <p14:creationId xmlns:p14="http://schemas.microsoft.com/office/powerpoint/2010/main" val="871070072"/>
+        <p14:creationId xmlns:p14="http://schemas.microsoft.com/office/powerpoint/2010/main" xmlns="" val="871070072"/>
       </p:ext>
     </p:extLst>
   </p:cSld>
@@ -9754,14 +9842,14 @@
           <a:effectLst/>
           <a:extLst>
             <a:ext uri="{909E8E84-426E-40DD-AFC4-6F175D3DCCD1}">
-              <a14:hiddenFill xmlns:a14="http://schemas.microsoft.com/office/drawing/2010/main">
+              <a14:hiddenFill xmlns:a14="http://schemas.microsoft.com/office/drawing/2010/main" xmlns="">
                 <a:solidFill>
                   <a:schemeClr val="accent1"/>
                 </a:solidFill>
               </a14:hiddenFill>
             </a:ext>
             <a:ext uri="{91240B29-F687-4F45-9708-019B960494DF}">
-              <a14:hiddenLine xmlns:a14="http://schemas.microsoft.com/office/drawing/2010/main" w="9525">
+              <a14:hiddenLine xmlns:a14="http://schemas.microsoft.com/office/drawing/2010/main" xmlns="" w="9525">
                 <a:solidFill>
                   <a:schemeClr val="tx1"/>
                 </a:solidFill>
@@ -9771,7 +9859,7 @@
               </a14:hiddenLine>
             </a:ext>
             <a:ext uri="{AF507438-7753-43E0-B8FC-AC1667EBCBE1}">
-              <a14:hiddenEffects xmlns:a14="http://schemas.microsoft.com/office/drawing/2010/main">
+              <a14:hiddenEffects xmlns:a14="http://schemas.microsoft.com/office/drawing/2010/main" xmlns="">
                 <a:effectLst>
                   <a:outerShdw dist="35921" dir="2700000" algn="ctr" rotWithShape="0">
                     <a:schemeClr val="bg2"/>
@@ -9799,7 +9887,7 @@
           <p:cNvPr id="6" name="Рисунок 5">
             <a:extLst>
               <a:ext uri="{FF2B5EF4-FFF2-40B4-BE49-F238E27FC236}">
-                <a16:creationId xmlns:a16="http://schemas.microsoft.com/office/drawing/2014/main" id="{2F283732-1386-409D-A9CD-18621CB2622C}"/>
+                <a16:creationId xmlns:a16="http://schemas.microsoft.com/office/drawing/2014/main" xmlns="" id="{2F283732-1386-409D-A9CD-18621CB2622C}"/>
               </a:ext>
             </a:extLst>
           </p:cNvPr>
@@ -9833,7 +9921,7 @@
     </p:spTree>
     <p:extLst>
       <p:ext uri="{BB962C8B-B14F-4D97-AF65-F5344CB8AC3E}">
-        <p14:creationId xmlns:p14="http://schemas.microsoft.com/office/powerpoint/2010/main" val="4228704245"/>
+        <p14:creationId xmlns:p14="http://schemas.microsoft.com/office/powerpoint/2010/main" xmlns="" val="4228704245"/>
       </p:ext>
     </p:extLst>
   </p:cSld>
@@ -10113,7 +10201,7 @@
   <a:extraClrSchemeLst/>
   <a:extLst>
     <a:ext uri="{05A4C25C-085E-4340-85A3-A5531E510DB2}">
-      <thm15:themeFamily xmlns:thm15="http://schemas.microsoft.com/office/thememl/2012/main" name="Slice" id="{0507925B-6AC9-4358-8E18-C330545D08F8}" vid="{282EB108-EDE6-4B8E-957B-D4A69BF580EA}"/>
+      <thm15:themeFamily xmlns:thm15="http://schemas.microsoft.com/office/thememl/2012/main" xmlns="" name="Slice" id="{0507925B-6AC9-4358-8E18-C330545D08F8}" vid="{282EB108-EDE6-4B8E-957B-D4A69BF580EA}"/>
     </a:ext>
   </a:extLst>
 </a:theme>
@@ -10374,7 +10462,7 @@
   <a:extraClrSchemeLst/>
   <a:extLst>
     <a:ext uri="{05A4C25C-085E-4340-85A3-A5531E510DB2}">
-      <thm15:themeFamily xmlns:thm15="http://schemas.microsoft.com/office/thememl/2012/main" name="Office Theme" id="{62F939B6-93AF-4DB8-9C6B-D6C7DFDC589F}" vid="{4A3C46E8-61CC-4603-A589-7422A47A8E4A}"/>
+      <thm15:themeFamily xmlns:thm15="http://schemas.microsoft.com/office/thememl/2012/main" xmlns="" name="Office Theme" id="{62F939B6-93AF-4DB8-9C6B-D6C7DFDC589F}" vid="{4A3C46E8-61CC-4603-A589-7422A47A8E4A}"/>
     </a:ext>
   </a:extLst>
 </a:theme>
